--- a/Final presentation group 14.pptx
+++ b/Final presentation group 14.pptx
@@ -9070,18 +9070,15 @@
                   <a:spcPts val="9899"/>
                 </a:lnSpc>
               </a:pPr>
-              <a:r>
-                <a:rPr lang="en-US" sz="8999">
-                  <a:solidFill>
-                    <a:srgbClr val="FFFFFF"/>
-                  </a:solidFill>
-                  <a:latin typeface="Glacial Indifference"/>
-                  <a:ea typeface="Glacial Indifference"/>
-                  <a:cs typeface="Glacial Indifference"/>
-                  <a:sym typeface="Glacial Indifference"/>
-                </a:rPr>
-                <a:t>Group Members</a:t>
-              </a:r>
+              <a:endParaRPr lang="en-US" sz="8999" dirty="0">
+                <a:solidFill>
+                  <a:srgbClr val="FFFFFF"/>
+                </a:solidFill>
+                <a:latin typeface="Glacial Indifference"/>
+                <a:ea typeface="Glacial Indifference"/>
+                <a:cs typeface="Glacial Indifference"/>
+                <a:sym typeface="Glacial Indifference"/>
+              </a:endParaRPr>
             </a:p>
           </p:txBody>
         </p:sp>
@@ -9144,10 +9141,10 @@
         </p:nvGrpSpPr>
         <p:grpSpPr>
           <a:xfrm>
-            <a:off x="7162800" y="4686300"/>
-            <a:ext cx="3043636" cy="1172890"/>
-            <a:chOff x="0" y="0"/>
-            <a:chExt cx="4058181" cy="1563854"/>
+            <a:off x="7162800" y="4672013"/>
+            <a:ext cx="3043636" cy="849375"/>
+            <a:chOff x="0" y="-19050"/>
+            <a:chExt cx="4058181" cy="1132500"/>
           </a:xfrm>
         </p:grpSpPr>
         <p:sp>
@@ -9159,7 +9156,7 @@
           <p:spPr>
             <a:xfrm>
               <a:off x="0" y="-19050"/>
-              <a:ext cx="4058181" cy="512220"/>
+              <a:ext cx="4058181" cy="520571"/>
             </a:xfrm>
             <a:prstGeom prst="rect">
               <a:avLst/>
@@ -9176,18 +9173,15 @@
                   <a:spcPts val="3250"/>
                 </a:lnSpc>
               </a:pPr>
-              <a:r>
-                <a:rPr lang="en-US" sz="2500" b="1" spc="100">
-                  <a:solidFill>
-                    <a:srgbClr val="FFFFFF"/>
-                  </a:solidFill>
-                  <a:latin typeface="Open Sauce Medium"/>
-                  <a:ea typeface="Open Sauce Medium"/>
-                  <a:cs typeface="Open Sauce Medium"/>
-                  <a:sym typeface="Open Sauce Medium"/>
-                </a:rPr>
-                <a:t>Janna Patterson</a:t>
-              </a:r>
+              <a:endParaRPr lang="en-US" sz="2500" b="1" spc="100" dirty="0">
+                <a:solidFill>
+                  <a:srgbClr val="FFFFFF"/>
+                </a:solidFill>
+                <a:latin typeface="Open Sauce Medium"/>
+                <a:ea typeface="Open Sauce Medium"/>
+                <a:cs typeface="Open Sauce Medium"/>
+                <a:sym typeface="Open Sauce Medium"/>
+              </a:endParaRPr>
             </a:p>
           </p:txBody>
         </p:sp>
@@ -9200,7 +9194,7 @@
           <p:spPr>
             <a:xfrm>
               <a:off x="314425" y="702140"/>
-              <a:ext cx="3429331" cy="861714"/>
+              <a:ext cx="3429330" cy="411310"/>
             </a:xfrm>
             <a:prstGeom prst="rect">
               <a:avLst/>
@@ -9217,18 +9211,15 @@
                   <a:spcPts val="2600"/>
                 </a:lnSpc>
               </a:pPr>
-              <a:r>
-                <a:rPr lang="en-US" sz="2000" spc="80">
-                  <a:solidFill>
-                    <a:srgbClr val="FFFFFF"/>
-                  </a:solidFill>
-                  <a:latin typeface="Open Sauce Light"/>
-                  <a:ea typeface="Open Sauce Light"/>
-                  <a:cs typeface="Open Sauce Light"/>
-                  <a:sym typeface="Open Sauce Light"/>
-                </a:rPr>
-                <a:t>Scientist and Encoder</a:t>
-              </a:r>
+              <a:endParaRPr lang="en-US" sz="2000" spc="80" dirty="0">
+                <a:solidFill>
+                  <a:srgbClr val="FFFFFF"/>
+                </a:solidFill>
+                <a:latin typeface="Open Sauce Light"/>
+                <a:ea typeface="Open Sauce Light"/>
+                <a:cs typeface="Open Sauce Light"/>
+                <a:sym typeface="Open Sauce Light"/>
+              </a:endParaRPr>
             </a:p>
           </p:txBody>
         </p:sp>
